--- a/source/logo.pptx
+++ b/source/logo.pptx
@@ -208,7 +208,7 @@
           <a:p>
             <a:fld id="{3812B4B6-6AA4-3D40-A6DD-42740210330F}" type="datetimeFigureOut">
               <a:rPr kumimoji="1" lang="ja-JP" altLang="en-US" smtClean="0"/>
-              <a:t>2018/10/11</a:t>
+              <a:t>2018/10/17</a:t>
             </a:fld>
             <a:endParaRPr kumimoji="1" lang="ja-JP" altLang="en-US"/>
           </a:p>
@@ -720,7 +720,7 @@
           <a:p>
             <a:fld id="{4094FAA9-BBE0-4D5A-A310-2B90D2575B9A}" type="datetimeFigureOut">
               <a:rPr kumimoji="1" lang="ja-JP" altLang="en-US" smtClean="0"/>
-              <a:t>2018/10/11</a:t>
+              <a:t>2018/10/17</a:t>
             </a:fld>
             <a:endParaRPr kumimoji="1" lang="ja-JP" altLang="en-US"/>
           </a:p>
@@ -920,7 +920,7 @@
           <a:p>
             <a:fld id="{4094FAA9-BBE0-4D5A-A310-2B90D2575B9A}" type="datetimeFigureOut">
               <a:rPr kumimoji="1" lang="ja-JP" altLang="en-US" smtClean="0"/>
-              <a:t>2018/10/11</a:t>
+              <a:t>2018/10/17</a:t>
             </a:fld>
             <a:endParaRPr kumimoji="1" lang="ja-JP" altLang="en-US"/>
           </a:p>
@@ -1130,7 +1130,7 @@
           <a:p>
             <a:fld id="{4094FAA9-BBE0-4D5A-A310-2B90D2575B9A}" type="datetimeFigureOut">
               <a:rPr kumimoji="1" lang="ja-JP" altLang="en-US" smtClean="0"/>
-              <a:t>2018/10/11</a:t>
+              <a:t>2018/10/17</a:t>
             </a:fld>
             <a:endParaRPr kumimoji="1" lang="ja-JP" altLang="en-US"/>
           </a:p>
@@ -1330,7 +1330,7 @@
           <a:p>
             <a:fld id="{4094FAA9-BBE0-4D5A-A310-2B90D2575B9A}" type="datetimeFigureOut">
               <a:rPr kumimoji="1" lang="ja-JP" altLang="en-US" smtClean="0"/>
-              <a:t>2018/10/11</a:t>
+              <a:t>2018/10/17</a:t>
             </a:fld>
             <a:endParaRPr kumimoji="1" lang="ja-JP" altLang="en-US"/>
           </a:p>
@@ -1575,7 +1575,7 @@
           <a:p>
             <a:fld id="{4094FAA9-BBE0-4D5A-A310-2B90D2575B9A}" type="datetimeFigureOut">
               <a:rPr kumimoji="1" lang="ja-JP" altLang="en-US" smtClean="0"/>
-              <a:t>2018/10/11</a:t>
+              <a:t>2018/10/17</a:t>
             </a:fld>
             <a:endParaRPr kumimoji="1" lang="ja-JP" altLang="en-US"/>
           </a:p>
@@ -1868,7 +1868,7 @@
           <a:p>
             <a:fld id="{4094FAA9-BBE0-4D5A-A310-2B90D2575B9A}" type="datetimeFigureOut">
               <a:rPr kumimoji="1" lang="ja-JP" altLang="en-US" smtClean="0"/>
-              <a:t>2018/10/11</a:t>
+              <a:t>2018/10/17</a:t>
             </a:fld>
             <a:endParaRPr kumimoji="1" lang="ja-JP" altLang="en-US"/>
           </a:p>
@@ -2296,7 +2296,7 @@
           <a:p>
             <a:fld id="{4094FAA9-BBE0-4D5A-A310-2B90D2575B9A}" type="datetimeFigureOut">
               <a:rPr kumimoji="1" lang="ja-JP" altLang="en-US" smtClean="0"/>
-              <a:t>2018/10/11</a:t>
+              <a:t>2018/10/17</a:t>
             </a:fld>
             <a:endParaRPr kumimoji="1" lang="ja-JP" altLang="en-US"/>
           </a:p>
@@ -2413,7 +2413,7 @@
           <a:p>
             <a:fld id="{4094FAA9-BBE0-4D5A-A310-2B90D2575B9A}" type="datetimeFigureOut">
               <a:rPr kumimoji="1" lang="ja-JP" altLang="en-US" smtClean="0"/>
-              <a:t>2018/10/11</a:t>
+              <a:t>2018/10/17</a:t>
             </a:fld>
             <a:endParaRPr kumimoji="1" lang="ja-JP" altLang="en-US"/>
           </a:p>
@@ -2508,7 +2508,7 @@
           <a:p>
             <a:fld id="{4094FAA9-BBE0-4D5A-A310-2B90D2575B9A}" type="datetimeFigureOut">
               <a:rPr kumimoji="1" lang="ja-JP" altLang="en-US" smtClean="0"/>
-              <a:t>2018/10/11</a:t>
+              <a:t>2018/10/17</a:t>
             </a:fld>
             <a:endParaRPr kumimoji="1" lang="ja-JP" altLang="en-US"/>
           </a:p>
@@ -2815,7 +2815,7 @@
           <a:p>
             <a:fld id="{4094FAA9-BBE0-4D5A-A310-2B90D2575B9A}" type="datetimeFigureOut">
               <a:rPr kumimoji="1" lang="ja-JP" altLang="en-US" smtClean="0"/>
-              <a:t>2018/10/11</a:t>
+              <a:t>2018/10/17</a:t>
             </a:fld>
             <a:endParaRPr kumimoji="1" lang="ja-JP" altLang="en-US"/>
           </a:p>
@@ -3067,7 +3067,7 @@
           <a:p>
             <a:fld id="{4094FAA9-BBE0-4D5A-A310-2B90D2575B9A}" type="datetimeFigureOut">
               <a:rPr kumimoji="1" lang="ja-JP" altLang="en-US" smtClean="0"/>
-              <a:t>2018/10/11</a:t>
+              <a:t>2018/10/17</a:t>
             </a:fld>
             <a:endParaRPr kumimoji="1" lang="ja-JP" altLang="en-US"/>
           </a:p>
@@ -3310,7 +3310,7 @@
           <a:p>
             <a:fld id="{4094FAA9-BBE0-4D5A-A310-2B90D2575B9A}" type="datetimeFigureOut">
               <a:rPr kumimoji="1" lang="ja-JP" altLang="en-US" smtClean="0"/>
-              <a:t>2018/10/11</a:t>
+              <a:t>2018/10/17</a:t>
             </a:fld>
             <a:endParaRPr kumimoji="1" lang="ja-JP" altLang="en-US"/>
           </a:p>
@@ -3717,10 +3717,10 @@
       </p:grpSpPr>
       <p:pic>
         <p:nvPicPr>
-          <p:cNvPr id="4" name="図 3">
+          <p:cNvPr id="3" name="図 2">
             <a:extLst>
               <a:ext uri="{FF2B5EF4-FFF2-40B4-BE49-F238E27FC236}">
-                <a16:creationId xmlns:a16="http://schemas.microsoft.com/office/drawing/2014/main" id="{D265AAED-D476-8C4C-A08E-FF0D64BEE811}"/>
+                <a16:creationId xmlns:a16="http://schemas.microsoft.com/office/drawing/2014/main" id="{4DE50C2A-5FF3-AF4B-A9DD-A95A100C27FD}"/>
               </a:ext>
             </a:extLst>
           </p:cNvPr>
@@ -3732,17 +3732,8 @@
         <p:blipFill>
           <a:blip r:embed="rId3">
             <a:extLst>
-              <a:ext uri="{BEBA8EAE-BF5A-486C-A8C5-ECC9F3942E4B}">
-                <a14:imgProps xmlns:a14="http://schemas.microsoft.com/office/drawing/2010/main">
-                  <a14:imgLayer r:embed="rId4">
-                    <a14:imgEffect>
-                      <a14:artisticBlur radius="7"/>
-                    </a14:imgEffect>
-                    <a14:imgEffect>
-                      <a14:brightnessContrast bright="20000" contrast="40000"/>
-                    </a14:imgEffect>
-                  </a14:imgLayer>
-                </a14:imgProps>
+              <a:ext uri="{28A0092B-C50C-407E-A947-70E740481C1C}">
+                <a14:useLocalDpi xmlns:a14="http://schemas.microsoft.com/office/drawing/2010/main" val="0"/>
               </a:ext>
             </a:extLst>
           </a:blip>
@@ -3752,8 +3743,8 @@
         </p:blipFill>
         <p:spPr>
           <a:xfrm>
-            <a:off x="273050" y="152400"/>
-            <a:ext cx="11645900" cy="6553200"/>
+            <a:off x="279400" y="152400"/>
+            <a:ext cx="11633200" cy="6553200"/>
           </a:xfrm>
           <a:prstGeom prst="rect">
             <a:avLst/>
@@ -3877,6 +3868,52 @@
           </a:p>
         </p:txBody>
       </p:sp>
+      <p:pic>
+        <p:nvPicPr>
+          <p:cNvPr id="8" name="図 7">
+            <a:extLst>
+              <a:ext uri="{FF2B5EF4-FFF2-40B4-BE49-F238E27FC236}">
+                <a16:creationId xmlns:a16="http://schemas.microsoft.com/office/drawing/2014/main" id="{4848E20F-6482-0F4E-A30D-5687265E7B42}"/>
+              </a:ext>
+            </a:extLst>
+          </p:cNvPr>
+          <p:cNvPicPr>
+            <a:picLocks noChangeAspect="1"/>
+          </p:cNvPicPr>
+          <p:nvPr/>
+        </p:nvPicPr>
+        <p:blipFill>
+          <a:blip r:embed="rId4">
+            <a:clrChange>
+              <a:clrFrom>
+                <a:srgbClr val="FFFFFF"/>
+              </a:clrFrom>
+              <a:clrTo>
+                <a:srgbClr val="FFFFFF">
+                  <a:alpha val="0"/>
+                </a:srgbClr>
+              </a:clrTo>
+            </a:clrChange>
+            <a:extLst>
+              <a:ext uri="{28A0092B-C50C-407E-A947-70E740481C1C}">
+                <a14:useLocalDpi xmlns:a14="http://schemas.microsoft.com/office/drawing/2010/main" val="0"/>
+              </a:ext>
+            </a:extLst>
+          </a:blip>
+          <a:stretch>
+            <a:fillRect/>
+          </a:stretch>
+        </p:blipFill>
+        <p:spPr>
+          <a:xfrm>
+            <a:off x="8747125" y="241753"/>
+            <a:ext cx="3082925" cy="2326821"/>
+          </a:xfrm>
+          <a:prstGeom prst="rect">
+            <a:avLst/>
+          </a:prstGeom>
+        </p:spPr>
+      </p:pic>
     </p:spTree>
     <p:extLst>
       <p:ext uri="{BB962C8B-B14F-4D97-AF65-F5344CB8AC3E}">
